--- a/241217_0 MegaGiga - Software Defined Radio.pptx
+++ b/241217_0 MegaGiga - Software Defined Radio.pptx
@@ -5535,7 +5535,7 @@
         </p:blipFill>
         <p:spPr bwMode="auto">
           <a:xfrm rot="0" flipH="0" flipV="0">
-            <a:off x="1333498" y="968374"/>
+            <a:off x="1333498" y="968373"/>
             <a:ext cx="9524998" cy="5587999"/>
           </a:xfrm>
           <a:prstGeom prst="rect">
@@ -5647,7 +5647,7 @@
         <p:spPr bwMode="auto">
           <a:xfrm flipH="0" flipV="0">
             <a:off x="1523998" y="3602036"/>
-            <a:ext cx="9144000" cy="3081075"/>
+            <a:ext cx="9144000" cy="3081074"/>
           </a:xfrm>
         </p:spPr>
         <p:txBody>
@@ -5681,7 +5681,7 @@
             </a:pPr>
             <a:r>
               <a:rPr lang="en-US" sz="2000" i="0"/>
-              <a:t>Since signal scrambling is illegal in most countries, we could not possible recommend doing it, not even for fun or for test purposes, without taking the necessary precautions to contain your scrambling signal within the perimeter of a Faraday cage or a Sarcophagus.</a:t>
+              <a:t>Since signal scrambling is illegal in most countries, we could not possibly recommend doing it, not even for fun or for test purposes, without taking the necessary precautions to contain your scrambling signal within the perimeter of a Faraday cage or a Sarcophagus.</a:t>
             </a:r>
             <a:br>
               <a:rPr lang="en-US" sz="2000" i="0"/>
